--- a/Presentations for Visual Studio Code MVA/02.Express.pptx
+++ b/Presentations for Visual Studio Code MVA/02.Express.pptx
@@ -5,10 +5,10 @@
     <p:sldMasterId id="2147483660" r:id="rId4"/>
   </p:sldMasterIdLst>
   <p:notesMasterIdLst>
-    <p:notesMasterId r:id="rId25"/>
+    <p:notesMasterId r:id="rId21"/>
   </p:notesMasterIdLst>
   <p:handoutMasterIdLst>
-    <p:handoutMasterId r:id="rId26"/>
+    <p:handoutMasterId r:id="rId22"/>
   </p:handoutMasterIdLst>
   <p:sldIdLst>
     <p:sldId id="270" r:id="rId5"/>
@@ -22,15 +22,11 @@
     <p:sldId id="296" r:id="rId13"/>
     <p:sldId id="286" r:id="rId14"/>
     <p:sldId id="279" r:id="rId15"/>
-    <p:sldId id="288" r:id="rId16"/>
-    <p:sldId id="289" r:id="rId17"/>
-    <p:sldId id="290" r:id="rId18"/>
-    <p:sldId id="291" r:id="rId19"/>
-    <p:sldId id="292" r:id="rId20"/>
-    <p:sldId id="293" r:id="rId21"/>
-    <p:sldId id="294" r:id="rId22"/>
-    <p:sldId id="283" r:id="rId23"/>
-    <p:sldId id="269" r:id="rId24"/>
+    <p:sldId id="298" r:id="rId16"/>
+    <p:sldId id="297" r:id="rId17"/>
+    <p:sldId id="299" r:id="rId18"/>
+    <p:sldId id="283" r:id="rId19"/>
+    <p:sldId id="269" r:id="rId20"/>
   </p:sldIdLst>
   <p:sldSz cx="12192000" cy="6858000"/>
   <p:notesSz cx="6858000" cy="9144000"/>
@@ -222,7 +218,7 @@
           <a:p>
             <a:fld id="{312E7B4A-039C-48A2-9B2C-AF16AA3873D8}" type="datetimeFigureOut">
               <a:rPr lang="en-US" smtClean="0"/>
-              <a:t>7/25/2015</a:t>
+              <a:t>7/28/2015</a:t>
             </a:fld>
             <a:endParaRPr lang="en-US"/>
           </a:p>
@@ -387,7 +383,7 @@
           <a:p>
             <a:fld id="{DA005A0C-54D9-45AA-87D4-C551D08DFCE1}" type="datetimeFigureOut">
               <a:rPr lang="en-US" smtClean="0"/>
-              <a:t>7/25/2015</a:t>
+              <a:t>7/28/2015</a:t>
             </a:fld>
             <a:endParaRPr lang="en-US"/>
           </a:p>
@@ -1098,6 +1094,116 @@
     <p:extLst>
       <p:ext uri="{BB962C8B-B14F-4D97-AF65-F5344CB8AC3E}">
         <p14:creationId xmlns:p14="http://schemas.microsoft.com/office/powerpoint/2010/main" val="917262544"/>
+      </p:ext>
+    </p:extLst>
+  </p:cSld>
+  <p:clrMapOvr>
+    <a:masterClrMapping/>
+  </p:clrMapOvr>
+</p:notes>
+</file>
+
+<file path=ppt/notesSlides/notesSlide6.xml><?xml version="1.0" encoding="utf-8"?>
+<p:notes xmlns:a="http://schemas.openxmlformats.org/drawingml/2006/main" xmlns:r="http://schemas.openxmlformats.org/officeDocument/2006/relationships" xmlns:p="http://schemas.openxmlformats.org/presentationml/2006/main">
+  <p:cSld>
+    <p:spTree>
+      <p:nvGrpSpPr>
+        <p:cNvPr id="1" name=""/>
+        <p:cNvGrpSpPr/>
+        <p:nvPr/>
+      </p:nvGrpSpPr>
+      <p:grpSpPr>
+        <a:xfrm>
+          <a:off x="0" y="0"/>
+          <a:ext cx="0" cy="0"/>
+          <a:chOff x="0" y="0"/>
+          <a:chExt cx="0" cy="0"/>
+        </a:xfrm>
+      </p:grpSpPr>
+      <p:sp>
+        <p:nvSpPr>
+          <p:cNvPr id="2" name="Slide Image Placeholder 1"/>
+          <p:cNvSpPr>
+            <a:spLocks noGrp="1" noRot="1" noChangeAspect="1"/>
+          </p:cNvSpPr>
+          <p:nvPr>
+            <p:ph type="sldImg"/>
+          </p:nvPr>
+        </p:nvSpPr>
+        <p:spPr/>
+      </p:sp>
+      <p:sp>
+        <p:nvSpPr>
+          <p:cNvPr id="3" name="Notes Placeholder 2"/>
+          <p:cNvSpPr>
+            <a:spLocks noGrp="1"/>
+          </p:cNvSpPr>
+          <p:nvPr>
+            <p:ph type="body" idx="1"/>
+          </p:nvPr>
+        </p:nvSpPr>
+        <p:spPr/>
+        <p:txBody>
+          <a:bodyPr/>
+          <a:lstStyle/>
+          <a:p>
+            <a:r>
+              <a:rPr lang="en-US" dirty="0" err="1" smtClean="0"/>
+              <a:t>npm</a:t>
+            </a:r>
+            <a:r>
+              <a:rPr lang="en-US" dirty="0" smtClean="0"/>
+              <a:t> install -g express-generator</a:t>
+            </a:r>
+          </a:p>
+          <a:p>
+            <a:r>
+              <a:rPr lang="en-US" dirty="0" smtClean="0"/>
+              <a:t>express</a:t>
+            </a:r>
+            <a:r>
+              <a:rPr lang="en-US" baseline="0" dirty="0" smtClean="0"/>
+              <a:t> /</a:t>
+            </a:r>
+            <a:r>
+              <a:rPr lang="en-US" baseline="0" dirty="0" err="1" smtClean="0"/>
+              <a:t>tmp</a:t>
+            </a:r>
+            <a:r>
+              <a:rPr lang="en-US" baseline="0" dirty="0" smtClean="0"/>
+              <a:t>/foo</a:t>
+            </a:r>
+            <a:endParaRPr lang="en-US" dirty="0"/>
+          </a:p>
+        </p:txBody>
+      </p:sp>
+      <p:sp>
+        <p:nvSpPr>
+          <p:cNvPr id="4" name="Slide Number Placeholder 3"/>
+          <p:cNvSpPr>
+            <a:spLocks noGrp="1"/>
+          </p:cNvSpPr>
+          <p:nvPr>
+            <p:ph type="sldNum" sz="quarter" idx="10"/>
+          </p:nvPr>
+        </p:nvSpPr>
+        <p:spPr/>
+        <p:txBody>
+          <a:bodyPr/>
+          <a:lstStyle/>
+          <a:p>
+            <a:fld id="{4CFD207A-07DF-40AD-A916-9872E089CE7A}" type="slidenum">
+              <a:rPr lang="en-US" smtClean="0"/>
+              <a:t>12</a:t>
+            </a:fld>
+            <a:endParaRPr lang="en-US"/>
+          </a:p>
+        </p:txBody>
+      </p:sp>
+    </p:spTree>
+    <p:extLst>
+      <p:ext uri="{BB962C8B-B14F-4D97-AF65-F5344CB8AC3E}">
+        <p14:creationId xmlns:p14="http://schemas.microsoft.com/office/powerpoint/2010/main" val="2287418854"/>
       </p:ext>
     </p:extLst>
   </p:cSld>
@@ -3778,11 +3884,7 @@
             </a:r>
             <a:r>
               <a:rPr lang="en-US" smtClean="0"/>
-              <a:t>to </a:t>
-            </a:r>
-            <a:r>
-              <a:rPr lang="en-US" smtClean="0"/>
-              <a:t>Express</a:t>
+              <a:t>to Express</a:t>
             </a:r>
             <a:endParaRPr lang="en-US" dirty="0"/>
           </a:p>
@@ -4358,7 +4460,15 @@
           <a:p>
             <a:r>
               <a:rPr lang="en-US" dirty="0" smtClean="0"/>
-              <a:t>Creating a simple Rest API with Express Framework</a:t>
+              <a:t>Creating a simple </a:t>
+            </a:r>
+            <a:r>
+              <a:rPr lang="en-US" dirty="0" smtClean="0"/>
+              <a:t>REST API </a:t>
+            </a:r>
+            <a:r>
+              <a:rPr lang="en-US" dirty="0" smtClean="0"/>
+              <a:t>with Express Framework</a:t>
             </a:r>
             <a:endParaRPr lang="en-US" dirty="0"/>
           </a:p>
@@ -4385,813 +4495,6 @@
 </file>
 
 <file path=ppt/slides/slide12.xml><?xml version="1.0" encoding="utf-8"?>
-<p:sld xmlns:a="http://schemas.openxmlformats.org/drawingml/2006/main" xmlns:r="http://schemas.openxmlformats.org/officeDocument/2006/relationships" xmlns:p="http://schemas.openxmlformats.org/presentationml/2006/main" show="0">
-  <p:cSld>
-    <p:spTree>
-      <p:nvGrpSpPr>
-        <p:cNvPr id="1" name=""/>
-        <p:cNvGrpSpPr/>
-        <p:nvPr/>
-      </p:nvGrpSpPr>
-      <p:grpSpPr>
-        <a:xfrm>
-          <a:off x="0" y="0"/>
-          <a:ext cx="0" cy="0"/>
-          <a:chOff x="0" y="0"/>
-          <a:chExt cx="0" cy="0"/>
-        </a:xfrm>
-      </p:grpSpPr>
-      <p:sp>
-        <p:nvSpPr>
-          <p:cNvPr id="2" name="Title 1"/>
-          <p:cNvSpPr>
-            <a:spLocks noGrp="1"/>
-          </p:cNvSpPr>
-          <p:nvPr>
-            <p:ph type="title"/>
-          </p:nvPr>
-        </p:nvSpPr>
-        <p:spPr/>
-        <p:txBody>
-          <a:bodyPr/>
-          <a:lstStyle/>
-          <a:p>
-            <a:r>
-              <a:rPr lang="en-US" dirty="0" smtClean="0"/>
-              <a:t>Why use Express? </a:t>
-            </a:r>
-            <a:endParaRPr lang="en-US" dirty="0"/>
-          </a:p>
-        </p:txBody>
-      </p:sp>
-      <p:pic>
-        <p:nvPicPr>
-          <p:cNvPr id="4" name="Picture 3"/>
-          <p:cNvPicPr/>
-          <p:nvPr/>
-        </p:nvPicPr>
-        <p:blipFill>
-          <a:blip r:embed="rId2">
-            <a:extLst>
-              <a:ext uri="{28A0092B-C50C-407E-A947-70E740481C1C}">
-                <a14:useLocalDpi xmlns:a14="http://schemas.microsoft.com/office/drawing/2010/main" val="0"/>
-              </a:ext>
-            </a:extLst>
-          </a:blip>
-          <a:stretch>
-            <a:fillRect/>
-          </a:stretch>
-        </p:blipFill>
-        <p:spPr>
-          <a:xfrm>
-            <a:off x="549813" y="1083750"/>
-            <a:ext cx="8819271" cy="5248220"/>
-          </a:xfrm>
-          <a:prstGeom prst="rect">
-            <a:avLst/>
-          </a:prstGeom>
-        </p:spPr>
-      </p:pic>
-    </p:spTree>
-    <p:extLst>
-      <p:ext uri="{BB962C8B-B14F-4D97-AF65-F5344CB8AC3E}">
-        <p14:creationId xmlns:p14="http://schemas.microsoft.com/office/powerpoint/2010/main" val="1099103362"/>
-      </p:ext>
-    </p:extLst>
-  </p:cSld>
-  <p:clrMapOvr>
-    <a:masterClrMapping/>
-  </p:clrMapOvr>
-  <mc:AlternateContent xmlns:mc="http://schemas.openxmlformats.org/markup-compatibility/2006" xmlns:p14="http://schemas.microsoft.com/office/powerpoint/2010/main">
-    <mc:Choice Requires="p14">
-      <p:transition spd="slow" p14:dur="2000"/>
-    </mc:Choice>
-    <mc:Fallback xmlns="">
-      <p:transition spd="slow"/>
-    </mc:Fallback>
-  </mc:AlternateContent>
-  <p:timing>
-    <p:tnLst>
-      <p:par>
-        <p:cTn id="1" dur="indefinite" restart="never" nodeType="tmRoot"/>
-      </p:par>
-    </p:tnLst>
-  </p:timing>
-</p:sld>
-</file>
-
-<file path=ppt/slides/slide13.xml><?xml version="1.0" encoding="utf-8"?>
-<p:sld xmlns:a="http://schemas.openxmlformats.org/drawingml/2006/main" xmlns:r="http://schemas.openxmlformats.org/officeDocument/2006/relationships" xmlns:p="http://schemas.openxmlformats.org/presentationml/2006/main" show="0">
-  <p:cSld>
-    <p:spTree>
-      <p:nvGrpSpPr>
-        <p:cNvPr id="1" name=""/>
-        <p:cNvGrpSpPr/>
-        <p:nvPr/>
-      </p:nvGrpSpPr>
-      <p:grpSpPr>
-        <a:xfrm>
-          <a:off x="0" y="0"/>
-          <a:ext cx="0" cy="0"/>
-          <a:chOff x="0" y="0"/>
-          <a:chExt cx="0" cy="0"/>
-        </a:xfrm>
-      </p:grpSpPr>
-      <p:sp>
-        <p:nvSpPr>
-          <p:cNvPr id="2" name="Title 1"/>
-          <p:cNvSpPr>
-            <a:spLocks noGrp="1"/>
-          </p:cNvSpPr>
-          <p:nvPr>
-            <p:ph type="title"/>
-          </p:nvPr>
-        </p:nvSpPr>
-        <p:spPr/>
-        <p:txBody>
-          <a:bodyPr/>
-          <a:lstStyle/>
-          <a:p>
-            <a:r>
-              <a:rPr lang="en-US" dirty="0" smtClean="0"/>
-              <a:t>Why use Express? </a:t>
-            </a:r>
-            <a:endParaRPr lang="en-US" dirty="0"/>
-          </a:p>
-        </p:txBody>
-      </p:sp>
-      <p:pic>
-        <p:nvPicPr>
-          <p:cNvPr id="1026" name="Picture 2" descr="BLOG POST - Part 2 - Screenshot 2"/>
-          <p:cNvPicPr>
-            <a:picLocks noChangeAspect="1" noChangeArrowheads="1"/>
-          </p:cNvPicPr>
-          <p:nvPr/>
-        </p:nvPicPr>
-        <p:blipFill>
-          <a:blip r:embed="rId2">
-            <a:extLst>
-              <a:ext uri="{28A0092B-C50C-407E-A947-70E740481C1C}">
-                <a14:useLocalDpi xmlns:a14="http://schemas.microsoft.com/office/drawing/2010/main" val="0"/>
-              </a:ext>
-            </a:extLst>
-          </a:blip>
-          <a:srcRect/>
-          <a:stretch>
-            <a:fillRect/>
-          </a:stretch>
-        </p:blipFill>
-        <p:spPr bwMode="auto">
-          <a:xfrm>
-            <a:off x="379514" y="1031705"/>
-            <a:ext cx="7667206" cy="5308066"/>
-          </a:xfrm>
-          <a:prstGeom prst="rect">
-            <a:avLst/>
-          </a:prstGeom>
-          <a:noFill/>
-          <a:ln>
-            <a:noFill/>
-          </a:ln>
-          <a:extLst>
-            <a:ext uri="{909E8E84-426E-40DD-AFC4-6F175D3DCCD1}">
-              <a14:hiddenFill xmlns:a14="http://schemas.microsoft.com/office/drawing/2010/main">
-                <a:solidFill>
-                  <a:srgbClr val="FFFFFF"/>
-                </a:solidFill>
-              </a14:hiddenFill>
-            </a:ext>
-            <a:ext uri="{91240B29-F687-4F45-9708-019B960494DF}">
-              <a14:hiddenLine xmlns:a14="http://schemas.microsoft.com/office/drawing/2010/main" w="9525">
-                <a:solidFill>
-                  <a:srgbClr val="000000"/>
-                </a:solidFill>
-                <a:miter lim="800000"/>
-                <a:headEnd/>
-                <a:tailEnd/>
-              </a14:hiddenLine>
-            </a:ext>
-          </a:extLst>
-        </p:spPr>
-      </p:pic>
-    </p:spTree>
-    <p:extLst>
-      <p:ext uri="{BB962C8B-B14F-4D97-AF65-F5344CB8AC3E}">
-        <p14:creationId xmlns:p14="http://schemas.microsoft.com/office/powerpoint/2010/main" val="1416731533"/>
-      </p:ext>
-    </p:extLst>
-  </p:cSld>
-  <p:clrMapOvr>
-    <a:masterClrMapping/>
-  </p:clrMapOvr>
-  <mc:AlternateContent xmlns:mc="http://schemas.openxmlformats.org/markup-compatibility/2006" xmlns:p14="http://schemas.microsoft.com/office/powerpoint/2010/main">
-    <mc:Choice Requires="p14">
-      <p:transition spd="slow" p14:dur="2000"/>
-    </mc:Choice>
-    <mc:Fallback xmlns="">
-      <p:transition spd="slow"/>
-    </mc:Fallback>
-  </mc:AlternateContent>
-  <p:timing>
-    <p:tnLst>
-      <p:par>
-        <p:cTn id="1" dur="indefinite" restart="never" nodeType="tmRoot"/>
-      </p:par>
-    </p:tnLst>
-  </p:timing>
-</p:sld>
-</file>
-
-<file path=ppt/slides/slide14.xml><?xml version="1.0" encoding="utf-8"?>
-<p:sld xmlns:a="http://schemas.openxmlformats.org/drawingml/2006/main" xmlns:r="http://schemas.openxmlformats.org/officeDocument/2006/relationships" xmlns:p="http://schemas.openxmlformats.org/presentationml/2006/main" show="0">
-  <p:cSld>
-    <p:spTree>
-      <p:nvGrpSpPr>
-        <p:cNvPr id="1" name=""/>
-        <p:cNvGrpSpPr/>
-        <p:nvPr/>
-      </p:nvGrpSpPr>
-      <p:grpSpPr>
-        <a:xfrm>
-          <a:off x="0" y="0"/>
-          <a:ext cx="0" cy="0"/>
-          <a:chOff x="0" y="0"/>
-          <a:chExt cx="0" cy="0"/>
-        </a:xfrm>
-      </p:grpSpPr>
-      <p:sp>
-        <p:nvSpPr>
-          <p:cNvPr id="2" name="Title 1"/>
-          <p:cNvSpPr>
-            <a:spLocks noGrp="1"/>
-          </p:cNvSpPr>
-          <p:nvPr>
-            <p:ph type="title"/>
-          </p:nvPr>
-        </p:nvSpPr>
-        <p:spPr/>
-        <p:txBody>
-          <a:bodyPr/>
-          <a:lstStyle/>
-          <a:p>
-            <a:r>
-              <a:rPr lang="en-US" dirty="0" smtClean="0"/>
-              <a:t>Why use Express? </a:t>
-            </a:r>
-            <a:endParaRPr lang="en-US" dirty="0"/>
-          </a:p>
-        </p:txBody>
-      </p:sp>
-      <p:pic>
-        <p:nvPicPr>
-          <p:cNvPr id="2050" name="Picture 2" descr="BLOG POST - Part 2 - Screenshot 3"/>
-          <p:cNvPicPr>
-            <a:picLocks noChangeAspect="1" noChangeArrowheads="1"/>
-          </p:cNvPicPr>
-          <p:nvPr/>
-        </p:nvPicPr>
-        <p:blipFill>
-          <a:blip r:embed="rId2">
-            <a:extLst>
-              <a:ext uri="{28A0092B-C50C-407E-A947-70E740481C1C}">
-                <a14:useLocalDpi xmlns:a14="http://schemas.microsoft.com/office/drawing/2010/main" val="0"/>
-              </a:ext>
-            </a:extLst>
-          </a:blip>
-          <a:srcRect/>
-          <a:stretch>
-            <a:fillRect/>
-          </a:stretch>
-        </p:blipFill>
-        <p:spPr bwMode="auto">
-          <a:xfrm>
-            <a:off x="379514" y="1144245"/>
-            <a:ext cx="9671044" cy="5298757"/>
-          </a:xfrm>
-          <a:prstGeom prst="rect">
-            <a:avLst/>
-          </a:prstGeom>
-          <a:noFill/>
-          <a:ln>
-            <a:noFill/>
-          </a:ln>
-          <a:extLst>
-            <a:ext uri="{909E8E84-426E-40DD-AFC4-6F175D3DCCD1}">
-              <a14:hiddenFill xmlns:a14="http://schemas.microsoft.com/office/drawing/2010/main">
-                <a:solidFill>
-                  <a:srgbClr val="FFFFFF"/>
-                </a:solidFill>
-              </a14:hiddenFill>
-            </a:ext>
-            <a:ext uri="{91240B29-F687-4F45-9708-019B960494DF}">
-              <a14:hiddenLine xmlns:a14="http://schemas.microsoft.com/office/drawing/2010/main" w="9525">
-                <a:solidFill>
-                  <a:srgbClr val="000000"/>
-                </a:solidFill>
-                <a:miter lim="800000"/>
-                <a:headEnd/>
-                <a:tailEnd/>
-              </a14:hiddenLine>
-            </a:ext>
-          </a:extLst>
-        </p:spPr>
-      </p:pic>
-    </p:spTree>
-    <p:extLst>
-      <p:ext uri="{BB962C8B-B14F-4D97-AF65-F5344CB8AC3E}">
-        <p14:creationId xmlns:p14="http://schemas.microsoft.com/office/powerpoint/2010/main" val="2642491047"/>
-      </p:ext>
-    </p:extLst>
-  </p:cSld>
-  <p:clrMapOvr>
-    <a:masterClrMapping/>
-  </p:clrMapOvr>
-  <mc:AlternateContent xmlns:mc="http://schemas.openxmlformats.org/markup-compatibility/2006" xmlns:p14="http://schemas.microsoft.com/office/powerpoint/2010/main">
-    <mc:Choice Requires="p14">
-      <p:transition spd="slow" p14:dur="2000"/>
-    </mc:Choice>
-    <mc:Fallback xmlns="">
-      <p:transition spd="slow"/>
-    </mc:Fallback>
-  </mc:AlternateContent>
-  <p:timing>
-    <p:tnLst>
-      <p:par>
-        <p:cTn id="1" dur="indefinite" restart="never" nodeType="tmRoot"/>
-      </p:par>
-    </p:tnLst>
-  </p:timing>
-</p:sld>
-</file>
-
-<file path=ppt/slides/slide15.xml><?xml version="1.0" encoding="utf-8"?>
-<p:sld xmlns:a="http://schemas.openxmlformats.org/drawingml/2006/main" xmlns:r="http://schemas.openxmlformats.org/officeDocument/2006/relationships" xmlns:p="http://schemas.openxmlformats.org/presentationml/2006/main" show="0">
-  <p:cSld>
-    <p:spTree>
-      <p:nvGrpSpPr>
-        <p:cNvPr id="1" name=""/>
-        <p:cNvGrpSpPr/>
-        <p:nvPr/>
-      </p:nvGrpSpPr>
-      <p:grpSpPr>
-        <a:xfrm>
-          <a:off x="0" y="0"/>
-          <a:ext cx="0" cy="0"/>
-          <a:chOff x="0" y="0"/>
-          <a:chExt cx="0" cy="0"/>
-        </a:xfrm>
-      </p:grpSpPr>
-      <p:sp>
-        <p:nvSpPr>
-          <p:cNvPr id="2" name="Title 1"/>
-          <p:cNvSpPr>
-            <a:spLocks noGrp="1"/>
-          </p:cNvSpPr>
-          <p:nvPr>
-            <p:ph type="title"/>
-          </p:nvPr>
-        </p:nvSpPr>
-        <p:spPr/>
-        <p:txBody>
-          <a:bodyPr/>
-          <a:lstStyle/>
-          <a:p>
-            <a:r>
-              <a:rPr lang="en-US" dirty="0" smtClean="0"/>
-              <a:t>Why use Express? </a:t>
-            </a:r>
-            <a:endParaRPr lang="en-US" dirty="0"/>
-          </a:p>
-        </p:txBody>
-      </p:sp>
-      <p:pic>
-        <p:nvPicPr>
-          <p:cNvPr id="3074" name="Picture 2" descr="BLOG POST - Part 2 - Screenshot 4"/>
-          <p:cNvPicPr>
-            <a:picLocks noChangeAspect="1" noChangeArrowheads="1"/>
-          </p:cNvPicPr>
-          <p:nvPr/>
-        </p:nvPicPr>
-        <p:blipFill>
-          <a:blip r:embed="rId2">
-            <a:extLst>
-              <a:ext uri="{28A0092B-C50C-407E-A947-70E740481C1C}">
-                <a14:useLocalDpi xmlns:a14="http://schemas.microsoft.com/office/drawing/2010/main" val="0"/>
-              </a:ext>
-            </a:extLst>
-          </a:blip>
-          <a:srcRect/>
-          <a:stretch>
-            <a:fillRect/>
-          </a:stretch>
-        </p:blipFill>
-        <p:spPr bwMode="auto">
-          <a:xfrm>
-            <a:off x="553403" y="989502"/>
-            <a:ext cx="8717206" cy="5769561"/>
-          </a:xfrm>
-          <a:prstGeom prst="rect">
-            <a:avLst/>
-          </a:prstGeom>
-          <a:noFill/>
-          <a:ln>
-            <a:noFill/>
-          </a:ln>
-          <a:extLst>
-            <a:ext uri="{909E8E84-426E-40DD-AFC4-6F175D3DCCD1}">
-              <a14:hiddenFill xmlns:a14="http://schemas.microsoft.com/office/drawing/2010/main">
-                <a:solidFill>
-                  <a:srgbClr val="FFFFFF"/>
-                </a:solidFill>
-              </a14:hiddenFill>
-            </a:ext>
-            <a:ext uri="{91240B29-F687-4F45-9708-019B960494DF}">
-              <a14:hiddenLine xmlns:a14="http://schemas.microsoft.com/office/drawing/2010/main" w="9525">
-                <a:solidFill>
-                  <a:srgbClr val="000000"/>
-                </a:solidFill>
-                <a:miter lim="800000"/>
-                <a:headEnd/>
-                <a:tailEnd/>
-              </a14:hiddenLine>
-            </a:ext>
-          </a:extLst>
-        </p:spPr>
-      </p:pic>
-    </p:spTree>
-    <p:extLst>
-      <p:ext uri="{BB962C8B-B14F-4D97-AF65-F5344CB8AC3E}">
-        <p14:creationId xmlns:p14="http://schemas.microsoft.com/office/powerpoint/2010/main" val="2211259834"/>
-      </p:ext>
-    </p:extLst>
-  </p:cSld>
-  <p:clrMapOvr>
-    <a:masterClrMapping/>
-  </p:clrMapOvr>
-  <mc:AlternateContent xmlns:mc="http://schemas.openxmlformats.org/markup-compatibility/2006" xmlns:p14="http://schemas.microsoft.com/office/powerpoint/2010/main">
-    <mc:Choice Requires="p14">
-      <p:transition spd="slow" p14:dur="2000"/>
-    </mc:Choice>
-    <mc:Fallback xmlns="">
-      <p:transition spd="slow"/>
-    </mc:Fallback>
-  </mc:AlternateContent>
-  <p:timing>
-    <p:tnLst>
-      <p:par>
-        <p:cTn id="1" dur="indefinite" restart="never" nodeType="tmRoot"/>
-      </p:par>
-    </p:tnLst>
-  </p:timing>
-</p:sld>
-</file>
-
-<file path=ppt/slides/slide16.xml><?xml version="1.0" encoding="utf-8"?>
-<p:sld xmlns:a="http://schemas.openxmlformats.org/drawingml/2006/main" xmlns:r="http://schemas.openxmlformats.org/officeDocument/2006/relationships" xmlns:p="http://schemas.openxmlformats.org/presentationml/2006/main" show="0">
-  <p:cSld>
-    <p:spTree>
-      <p:nvGrpSpPr>
-        <p:cNvPr id="1" name=""/>
-        <p:cNvGrpSpPr/>
-        <p:nvPr/>
-      </p:nvGrpSpPr>
-      <p:grpSpPr>
-        <a:xfrm>
-          <a:off x="0" y="0"/>
-          <a:ext cx="0" cy="0"/>
-          <a:chOff x="0" y="0"/>
-          <a:chExt cx="0" cy="0"/>
-        </a:xfrm>
-      </p:grpSpPr>
-      <p:sp>
-        <p:nvSpPr>
-          <p:cNvPr id="2" name="Title 1"/>
-          <p:cNvSpPr>
-            <a:spLocks noGrp="1"/>
-          </p:cNvSpPr>
-          <p:nvPr>
-            <p:ph type="title"/>
-          </p:nvPr>
-        </p:nvSpPr>
-        <p:spPr/>
-        <p:txBody>
-          <a:bodyPr/>
-          <a:lstStyle/>
-          <a:p>
-            <a:r>
-              <a:rPr lang="en-US" dirty="0" smtClean="0"/>
-              <a:t>Why use Express? </a:t>
-            </a:r>
-            <a:endParaRPr lang="en-US" dirty="0"/>
-          </a:p>
-        </p:txBody>
-      </p:sp>
-      <p:pic>
-        <p:nvPicPr>
-          <p:cNvPr id="5" name="Picture 4" descr="C:\Users\Rami\AppData\Local\Microsoft\Windows\INetCache\Content.Word\BLOG POST - Part 2 - Screenshot 7.png"/>
-          <p:cNvPicPr/>
-          <p:nvPr/>
-        </p:nvPicPr>
-        <p:blipFill>
-          <a:blip r:embed="rId2">
-            <a:extLst>
-              <a:ext uri="{28A0092B-C50C-407E-A947-70E740481C1C}">
-                <a14:useLocalDpi xmlns:a14="http://schemas.microsoft.com/office/drawing/2010/main" val="0"/>
-              </a:ext>
-            </a:extLst>
-          </a:blip>
-          <a:srcRect/>
-          <a:stretch>
-            <a:fillRect/>
-          </a:stretch>
-        </p:blipFill>
-        <p:spPr bwMode="auto">
-          <a:xfrm>
-            <a:off x="379514" y="1245702"/>
-            <a:ext cx="10775281" cy="4254766"/>
-          </a:xfrm>
-          <a:prstGeom prst="rect">
-            <a:avLst/>
-          </a:prstGeom>
-          <a:noFill/>
-          <a:ln>
-            <a:noFill/>
-          </a:ln>
-        </p:spPr>
-      </p:pic>
-    </p:spTree>
-    <p:extLst>
-      <p:ext uri="{BB962C8B-B14F-4D97-AF65-F5344CB8AC3E}">
-        <p14:creationId xmlns:p14="http://schemas.microsoft.com/office/powerpoint/2010/main" val="3052309441"/>
-      </p:ext>
-    </p:extLst>
-  </p:cSld>
-  <p:clrMapOvr>
-    <a:masterClrMapping/>
-  </p:clrMapOvr>
-  <mc:AlternateContent xmlns:mc="http://schemas.openxmlformats.org/markup-compatibility/2006" xmlns:p14="http://schemas.microsoft.com/office/powerpoint/2010/main">
-    <mc:Choice Requires="p14">
-      <p:transition spd="slow" p14:dur="2000"/>
-    </mc:Choice>
-    <mc:Fallback xmlns="">
-      <p:transition spd="slow"/>
-    </mc:Fallback>
-  </mc:AlternateContent>
-  <p:timing>
-    <p:tnLst>
-      <p:par>
-        <p:cTn id="1" dur="indefinite" restart="never" nodeType="tmRoot"/>
-      </p:par>
-    </p:tnLst>
-  </p:timing>
-</p:sld>
-</file>
-
-<file path=ppt/slides/slide17.xml><?xml version="1.0" encoding="utf-8"?>
-<p:sld xmlns:a="http://schemas.openxmlformats.org/drawingml/2006/main" xmlns:r="http://schemas.openxmlformats.org/officeDocument/2006/relationships" xmlns:p="http://schemas.openxmlformats.org/presentationml/2006/main" show="0">
-  <p:cSld>
-    <p:spTree>
-      <p:nvGrpSpPr>
-        <p:cNvPr id="1" name=""/>
-        <p:cNvGrpSpPr/>
-        <p:nvPr/>
-      </p:nvGrpSpPr>
-      <p:grpSpPr>
-        <a:xfrm>
-          <a:off x="0" y="0"/>
-          <a:ext cx="0" cy="0"/>
-          <a:chOff x="0" y="0"/>
-          <a:chExt cx="0" cy="0"/>
-        </a:xfrm>
-      </p:grpSpPr>
-      <p:sp>
-        <p:nvSpPr>
-          <p:cNvPr id="2" name="Title 1"/>
-          <p:cNvSpPr>
-            <a:spLocks noGrp="1"/>
-          </p:cNvSpPr>
-          <p:nvPr>
-            <p:ph type="title"/>
-          </p:nvPr>
-        </p:nvSpPr>
-        <p:spPr/>
-        <p:txBody>
-          <a:bodyPr/>
-          <a:lstStyle/>
-          <a:p>
-            <a:r>
-              <a:rPr lang="en-US" dirty="0" smtClean="0"/>
-              <a:t>Why use Express? </a:t>
-            </a:r>
-            <a:endParaRPr lang="en-US" dirty="0"/>
-          </a:p>
-        </p:txBody>
-      </p:sp>
-      <p:pic>
-        <p:nvPicPr>
-          <p:cNvPr id="9218" name="Picture 2" descr="BLOG POST - Part 2 - Screenshot 8"/>
-          <p:cNvPicPr>
-            <a:picLocks noChangeAspect="1" noChangeArrowheads="1"/>
-          </p:cNvPicPr>
-          <p:nvPr/>
-        </p:nvPicPr>
-        <p:blipFill>
-          <a:blip r:embed="rId2">
-            <a:extLst>
-              <a:ext uri="{28A0092B-C50C-407E-A947-70E740481C1C}">
-                <a14:useLocalDpi xmlns:a14="http://schemas.microsoft.com/office/drawing/2010/main" val="0"/>
-              </a:ext>
-            </a:extLst>
-          </a:blip>
-          <a:srcRect/>
-          <a:stretch>
-            <a:fillRect/>
-          </a:stretch>
-        </p:blipFill>
-        <p:spPr bwMode="auto">
-          <a:xfrm>
-            <a:off x="379514" y="1045772"/>
-            <a:ext cx="10227526" cy="5195714"/>
-          </a:xfrm>
-          <a:prstGeom prst="rect">
-            <a:avLst/>
-          </a:prstGeom>
-          <a:noFill/>
-          <a:ln>
-            <a:noFill/>
-          </a:ln>
-          <a:extLst>
-            <a:ext uri="{909E8E84-426E-40DD-AFC4-6F175D3DCCD1}">
-              <a14:hiddenFill xmlns:a14="http://schemas.microsoft.com/office/drawing/2010/main">
-                <a:solidFill>
-                  <a:srgbClr val="FFFFFF"/>
-                </a:solidFill>
-              </a14:hiddenFill>
-            </a:ext>
-            <a:ext uri="{91240B29-F687-4F45-9708-019B960494DF}">
-              <a14:hiddenLine xmlns:a14="http://schemas.microsoft.com/office/drawing/2010/main" w="9525">
-                <a:solidFill>
-                  <a:srgbClr val="000000"/>
-                </a:solidFill>
-                <a:miter lim="800000"/>
-                <a:headEnd/>
-                <a:tailEnd/>
-              </a14:hiddenLine>
-            </a:ext>
-          </a:extLst>
-        </p:spPr>
-      </p:pic>
-    </p:spTree>
-    <p:extLst>
-      <p:ext uri="{BB962C8B-B14F-4D97-AF65-F5344CB8AC3E}">
-        <p14:creationId xmlns:p14="http://schemas.microsoft.com/office/powerpoint/2010/main" val="807860383"/>
-      </p:ext>
-    </p:extLst>
-  </p:cSld>
-  <p:clrMapOvr>
-    <a:masterClrMapping/>
-  </p:clrMapOvr>
-  <mc:AlternateContent xmlns:mc="http://schemas.openxmlformats.org/markup-compatibility/2006" xmlns:p14="http://schemas.microsoft.com/office/powerpoint/2010/main">
-    <mc:Choice Requires="p14">
-      <p:transition spd="slow" p14:dur="2000"/>
-    </mc:Choice>
-    <mc:Fallback xmlns="">
-      <p:transition spd="slow"/>
-    </mc:Fallback>
-  </mc:AlternateContent>
-  <p:timing>
-    <p:tnLst>
-      <p:par>
-        <p:cTn id="1" dur="indefinite" restart="never" nodeType="tmRoot"/>
-      </p:par>
-    </p:tnLst>
-  </p:timing>
-</p:sld>
-</file>
-
-<file path=ppt/slides/slide18.xml><?xml version="1.0" encoding="utf-8"?>
-<p:sld xmlns:a="http://schemas.openxmlformats.org/drawingml/2006/main" xmlns:r="http://schemas.openxmlformats.org/officeDocument/2006/relationships" xmlns:p="http://schemas.openxmlformats.org/presentationml/2006/main" show="0">
-  <p:cSld>
-    <p:spTree>
-      <p:nvGrpSpPr>
-        <p:cNvPr id="1" name=""/>
-        <p:cNvGrpSpPr/>
-        <p:nvPr/>
-      </p:nvGrpSpPr>
-      <p:grpSpPr>
-        <a:xfrm>
-          <a:off x="0" y="0"/>
-          <a:ext cx="0" cy="0"/>
-          <a:chOff x="0" y="0"/>
-          <a:chExt cx="0" cy="0"/>
-        </a:xfrm>
-      </p:grpSpPr>
-      <p:sp>
-        <p:nvSpPr>
-          <p:cNvPr id="2" name="Title 1"/>
-          <p:cNvSpPr>
-            <a:spLocks noGrp="1"/>
-          </p:cNvSpPr>
-          <p:nvPr>
-            <p:ph type="title"/>
-          </p:nvPr>
-        </p:nvSpPr>
-        <p:spPr/>
-        <p:txBody>
-          <a:bodyPr/>
-          <a:lstStyle/>
-          <a:p>
-            <a:r>
-              <a:rPr lang="en-US" dirty="0" smtClean="0"/>
-              <a:t>Why use Express? </a:t>
-            </a:r>
-            <a:endParaRPr lang="en-US" dirty="0"/>
-          </a:p>
-        </p:txBody>
-      </p:sp>
-      <p:pic>
-        <p:nvPicPr>
-          <p:cNvPr id="10242" name="Picture 2" descr="BLOG POST - Part 2 - Screenshot 9"/>
-          <p:cNvPicPr>
-            <a:picLocks noChangeAspect="1" noChangeArrowheads="1"/>
-          </p:cNvPicPr>
-          <p:nvPr/>
-        </p:nvPicPr>
-        <p:blipFill>
-          <a:blip r:embed="rId2">
-            <a:extLst>
-              <a:ext uri="{28A0092B-C50C-407E-A947-70E740481C1C}">
-                <a14:useLocalDpi xmlns:a14="http://schemas.microsoft.com/office/drawing/2010/main" val="0"/>
-              </a:ext>
-            </a:extLst>
-          </a:blip>
-          <a:srcRect/>
-          <a:stretch>
-            <a:fillRect/>
-          </a:stretch>
-        </p:blipFill>
-        <p:spPr bwMode="auto">
-          <a:xfrm>
-            <a:off x="379513" y="1017636"/>
-            <a:ext cx="10245389" cy="5664518"/>
-          </a:xfrm>
-          <a:prstGeom prst="rect">
-            <a:avLst/>
-          </a:prstGeom>
-          <a:noFill/>
-          <a:ln>
-            <a:noFill/>
-          </a:ln>
-          <a:extLst>
-            <a:ext uri="{909E8E84-426E-40DD-AFC4-6F175D3DCCD1}">
-              <a14:hiddenFill xmlns:a14="http://schemas.microsoft.com/office/drawing/2010/main">
-                <a:solidFill>
-                  <a:srgbClr val="FFFFFF"/>
-                </a:solidFill>
-              </a14:hiddenFill>
-            </a:ext>
-            <a:ext uri="{91240B29-F687-4F45-9708-019B960494DF}">
-              <a14:hiddenLine xmlns:a14="http://schemas.microsoft.com/office/drawing/2010/main" w="9525">
-                <a:solidFill>
-                  <a:srgbClr val="000000"/>
-                </a:solidFill>
-                <a:miter lim="800000"/>
-                <a:headEnd/>
-                <a:tailEnd/>
-              </a14:hiddenLine>
-            </a:ext>
-          </a:extLst>
-        </p:spPr>
-      </p:pic>
-    </p:spTree>
-    <p:extLst>
-      <p:ext uri="{BB962C8B-B14F-4D97-AF65-F5344CB8AC3E}">
-        <p14:creationId xmlns:p14="http://schemas.microsoft.com/office/powerpoint/2010/main" val="2360006945"/>
-      </p:ext>
-    </p:extLst>
-  </p:cSld>
-  <p:clrMapOvr>
-    <a:masterClrMapping/>
-  </p:clrMapOvr>
-  <mc:AlternateContent xmlns:mc="http://schemas.openxmlformats.org/markup-compatibility/2006" xmlns:p14="http://schemas.microsoft.com/office/powerpoint/2010/main">
-    <mc:Choice Requires="p14">
-      <p:transition spd="slow" p14:dur="2000"/>
-    </mc:Choice>
-    <mc:Fallback xmlns="">
-      <p:transition spd="slow"/>
-    </mc:Fallback>
-  </mc:AlternateContent>
-  <p:timing>
-    <p:tnLst>
-      <p:par>
-        <p:cTn id="1" dur="indefinite" restart="never" nodeType="tmRoot"/>
-      </p:par>
-    </p:tnLst>
-  </p:timing>
-</p:sld>
-</file>
-
-<file path=ppt/slides/slide19.xml><?xml version="1.0" encoding="utf-8"?>
 <p:sld xmlns:a="http://schemas.openxmlformats.org/drawingml/2006/main" xmlns:r="http://schemas.openxmlformats.org/officeDocument/2006/relationships" xmlns:p="http://schemas.openxmlformats.org/presentationml/2006/main">
   <p:cSld>
     <p:spTree>
@@ -5225,6 +4528,179 @@
           <a:p>
             <a:r>
               <a:rPr lang="en-US" dirty="0" smtClean="0"/>
+              <a:t>Using the </a:t>
+            </a:r>
+            <a:r>
+              <a:rPr lang="en-US" b="1" dirty="0" smtClean="0"/>
+              <a:t>express-generator</a:t>
+            </a:r>
+            <a:r>
+              <a:rPr lang="en-US" dirty="0" smtClean="0"/>
+              <a:t> package.</a:t>
+            </a:r>
+            <a:endParaRPr lang="en-US" dirty="0"/>
+          </a:p>
+        </p:txBody>
+      </p:sp>
+    </p:spTree>
+    <p:extLst>
+      <p:ext uri="{BB962C8B-B14F-4D97-AF65-F5344CB8AC3E}">
+        <p14:creationId xmlns:p14="http://schemas.microsoft.com/office/powerpoint/2010/main" val="3550602330"/>
+      </p:ext>
+    </p:extLst>
+  </p:cSld>
+  <p:clrMapOvr>
+    <a:masterClrMapping/>
+  </p:clrMapOvr>
+</p:sld>
+</file>
+
+<file path=ppt/slides/slide13.xml><?xml version="1.0" encoding="utf-8"?>
+<p:sld xmlns:a="http://schemas.openxmlformats.org/drawingml/2006/main" xmlns:r="http://schemas.openxmlformats.org/officeDocument/2006/relationships" xmlns:p="http://schemas.openxmlformats.org/presentationml/2006/main">
+  <p:cSld>
+    <p:spTree>
+      <p:nvGrpSpPr>
+        <p:cNvPr id="1" name=""/>
+        <p:cNvGrpSpPr/>
+        <p:nvPr/>
+      </p:nvGrpSpPr>
+      <p:grpSpPr>
+        <a:xfrm>
+          <a:off x="0" y="0"/>
+          <a:ext cx="0" cy="0"/>
+          <a:chOff x="0" y="0"/>
+          <a:chExt cx="0" cy="0"/>
+        </a:xfrm>
+      </p:grpSpPr>
+      <p:sp>
+        <p:nvSpPr>
+          <p:cNvPr id="3" name="Title 2"/>
+          <p:cNvSpPr>
+            <a:spLocks noGrp="1"/>
+          </p:cNvSpPr>
+          <p:nvPr>
+            <p:ph type="title"/>
+          </p:nvPr>
+        </p:nvSpPr>
+        <p:spPr/>
+        <p:txBody>
+          <a:bodyPr>
+            <a:normAutofit/>
+          </a:bodyPr>
+          <a:lstStyle/>
+          <a:p>
+            <a:r>
+              <a:rPr lang="en-US" dirty="0" smtClean="0"/>
+              <a:t>Using Express for Multiple Pages with Query Parameters</a:t>
+            </a:r>
+            <a:endParaRPr lang="en-US" dirty="0"/>
+          </a:p>
+        </p:txBody>
+      </p:sp>
+    </p:spTree>
+    <p:extLst>
+      <p:ext uri="{BB962C8B-B14F-4D97-AF65-F5344CB8AC3E}">
+        <p14:creationId xmlns:p14="http://schemas.microsoft.com/office/powerpoint/2010/main" val="1926661574"/>
+      </p:ext>
+    </p:extLst>
+  </p:cSld>
+  <p:clrMapOvr>
+    <a:masterClrMapping/>
+  </p:clrMapOvr>
+</p:sld>
+</file>
+
+<file path=ppt/slides/slide14.xml><?xml version="1.0" encoding="utf-8"?>
+<p:sld xmlns:a="http://schemas.openxmlformats.org/drawingml/2006/main" xmlns:r="http://schemas.openxmlformats.org/officeDocument/2006/relationships" xmlns:p="http://schemas.openxmlformats.org/presentationml/2006/main">
+  <p:cSld>
+    <p:spTree>
+      <p:nvGrpSpPr>
+        <p:cNvPr id="1" name=""/>
+        <p:cNvGrpSpPr/>
+        <p:nvPr/>
+      </p:nvGrpSpPr>
+      <p:grpSpPr>
+        <a:xfrm>
+          <a:off x="0" y="0"/>
+          <a:ext cx="0" cy="0"/>
+          <a:chOff x="0" y="0"/>
+          <a:chExt cx="0" cy="0"/>
+        </a:xfrm>
+      </p:grpSpPr>
+      <p:sp>
+        <p:nvSpPr>
+          <p:cNvPr id="2" name="Title 1"/>
+          <p:cNvSpPr>
+            <a:spLocks noGrp="1"/>
+          </p:cNvSpPr>
+          <p:nvPr>
+            <p:ph type="title"/>
+          </p:nvPr>
+        </p:nvSpPr>
+        <p:spPr/>
+        <p:txBody>
+          <a:bodyPr/>
+          <a:lstStyle/>
+          <a:p>
+            <a:r>
+              <a:rPr lang="en-US" dirty="0" smtClean="0"/>
+              <a:t>Using Express </a:t>
+            </a:r>
+            <a:r>
+              <a:rPr lang="en-US" smtClean="0"/>
+              <a:t>to build a REST API</a:t>
+            </a:r>
+            <a:endParaRPr lang="en-US"/>
+          </a:p>
+        </p:txBody>
+      </p:sp>
+    </p:spTree>
+    <p:extLst>
+      <p:ext uri="{BB962C8B-B14F-4D97-AF65-F5344CB8AC3E}">
+        <p14:creationId xmlns:p14="http://schemas.microsoft.com/office/powerpoint/2010/main" val="3963504459"/>
+      </p:ext>
+    </p:extLst>
+  </p:cSld>
+  <p:clrMapOvr>
+    <a:masterClrMapping/>
+  </p:clrMapOvr>
+</p:sld>
+</file>
+
+<file path=ppt/slides/slide15.xml><?xml version="1.0" encoding="utf-8"?>
+<p:sld xmlns:a="http://schemas.openxmlformats.org/drawingml/2006/main" xmlns:r="http://schemas.openxmlformats.org/officeDocument/2006/relationships" xmlns:p="http://schemas.openxmlformats.org/presentationml/2006/main">
+  <p:cSld>
+    <p:spTree>
+      <p:nvGrpSpPr>
+        <p:cNvPr id="1" name=""/>
+        <p:cNvGrpSpPr/>
+        <p:nvPr/>
+      </p:nvGrpSpPr>
+      <p:grpSpPr>
+        <a:xfrm>
+          <a:off x="0" y="0"/>
+          <a:ext cx="0" cy="0"/>
+          <a:chOff x="0" y="0"/>
+          <a:chExt cx="0" cy="0"/>
+        </a:xfrm>
+      </p:grpSpPr>
+      <p:sp>
+        <p:nvSpPr>
+          <p:cNvPr id="2" name="Title 1"/>
+          <p:cNvSpPr>
+            <a:spLocks noGrp="1"/>
+          </p:cNvSpPr>
+          <p:nvPr>
+            <p:ph type="title"/>
+          </p:nvPr>
+        </p:nvSpPr>
+        <p:spPr/>
+        <p:txBody>
+          <a:bodyPr/>
+          <a:lstStyle/>
+          <a:p>
+            <a:r>
+              <a:rPr lang="en-US" dirty="0" smtClean="0"/>
               <a:t>Resources</a:t>
             </a:r>
             <a:endParaRPr lang="en-US" dirty="0"/>
@@ -5334,6 +4810,43 @@
     <p:extLst>
       <p:ext uri="{BB962C8B-B14F-4D97-AF65-F5344CB8AC3E}">
         <p14:creationId xmlns:p14="http://schemas.microsoft.com/office/powerpoint/2010/main" val="1902419148"/>
+      </p:ext>
+    </p:extLst>
+  </p:cSld>
+  <p:clrMapOvr>
+    <a:masterClrMapping/>
+  </p:clrMapOvr>
+  <p:timing>
+    <p:tnLst>
+      <p:par>
+        <p:cTn id="1" dur="indefinite" restart="never" nodeType="tmRoot"/>
+      </p:par>
+    </p:tnLst>
+  </p:timing>
+</p:sld>
+</file>
+
+<file path=ppt/slides/slide16.xml><?xml version="1.0" encoding="utf-8"?>
+<p:sld xmlns:a="http://schemas.openxmlformats.org/drawingml/2006/main" xmlns:r="http://schemas.openxmlformats.org/officeDocument/2006/relationships" xmlns:p="http://schemas.openxmlformats.org/presentationml/2006/main">
+  <p:cSld>
+    <p:spTree>
+      <p:nvGrpSpPr>
+        <p:cNvPr id="1" name=""/>
+        <p:cNvGrpSpPr/>
+        <p:nvPr/>
+      </p:nvGrpSpPr>
+      <p:grpSpPr>
+        <a:xfrm>
+          <a:off x="0" y="0"/>
+          <a:ext cx="0" cy="0"/>
+          <a:chOff x="0" y="0"/>
+          <a:chExt cx="0" cy="0"/>
+        </a:xfrm>
+      </p:grpSpPr>
+    </p:spTree>
+    <p:extLst>
+      <p:ext uri="{BB962C8B-B14F-4D97-AF65-F5344CB8AC3E}">
+        <p14:creationId xmlns:p14="http://schemas.microsoft.com/office/powerpoint/2010/main" val="898363405"/>
       </p:ext>
     </p:extLst>
   </p:cSld>
@@ -5398,8 +4911,13 @@
           <a:p>
             <a:r>
               <a:rPr lang="en-GB" dirty="0" smtClean="0"/>
-              <a:t>Demo: Creating a simple Rest API </a:t>
-            </a:r>
+              <a:t>Demo: Creating a simple </a:t>
+            </a:r>
+            <a:r>
+              <a:rPr lang="en-GB" dirty="0" smtClean="0"/>
+              <a:t>REST API </a:t>
+            </a:r>
+            <a:endParaRPr lang="en-GB" dirty="0" smtClean="0"/>
           </a:p>
           <a:p>
             <a:r>
@@ -5437,43 +4955,6 @@
     <p:extLst>
       <p:ext uri="{BB962C8B-B14F-4D97-AF65-F5344CB8AC3E}">
         <p14:creationId xmlns:p14="http://schemas.microsoft.com/office/powerpoint/2010/main" val="233355347"/>
-      </p:ext>
-    </p:extLst>
-  </p:cSld>
-  <p:clrMapOvr>
-    <a:masterClrMapping/>
-  </p:clrMapOvr>
-  <p:timing>
-    <p:tnLst>
-      <p:par>
-        <p:cTn id="1" dur="indefinite" restart="never" nodeType="tmRoot"/>
-      </p:par>
-    </p:tnLst>
-  </p:timing>
-</p:sld>
-</file>
-
-<file path=ppt/slides/slide20.xml><?xml version="1.0" encoding="utf-8"?>
-<p:sld xmlns:a="http://schemas.openxmlformats.org/drawingml/2006/main" xmlns:r="http://schemas.openxmlformats.org/officeDocument/2006/relationships" xmlns:p="http://schemas.openxmlformats.org/presentationml/2006/main">
-  <p:cSld>
-    <p:spTree>
-      <p:nvGrpSpPr>
-        <p:cNvPr id="1" name=""/>
-        <p:cNvGrpSpPr/>
-        <p:nvPr/>
-      </p:nvGrpSpPr>
-      <p:grpSpPr>
-        <a:xfrm>
-          <a:off x="0" y="0"/>
-          <a:ext cx="0" cy="0"/>
-          <a:chOff x="0" y="0"/>
-          <a:chExt cx="0" cy="0"/>
-        </a:xfrm>
-      </p:grpSpPr>
-    </p:spTree>
-    <p:extLst>
-      <p:ext uri="{BB962C8B-B14F-4D97-AF65-F5344CB8AC3E}">
-        <p14:creationId xmlns:p14="http://schemas.microsoft.com/office/powerpoint/2010/main" val="898363405"/>
       </p:ext>
     </p:extLst>
   </p:cSld>
@@ -6152,7 +5633,11 @@
             <a:pPr marL="914400" indent="-914400"/>
             <a:r>
               <a:rPr lang="en-US" dirty="0" smtClean="0"/>
-              <a:t>02 | Creating a Simple Rest API</a:t>
+              <a:t>02 | Creating a Simple </a:t>
+            </a:r>
+            <a:r>
+              <a:rPr lang="en-US" dirty="0" smtClean="0"/>
+              <a:t>REST API</a:t>
             </a:r>
             <a:endParaRPr lang="en-US" dirty="0"/>
           </a:p>
@@ -7287,12 +6772,9 @@
 </file>
 
 <file path=customXml/item1.xml><?xml version="1.0" encoding="utf-8"?>
-<?mso-contentType ?>
-<FormTemplates xmlns="http://schemas.microsoft.com/sharepoint/v3/contenttype/forms">
-  <Display>DocumentLibraryForm</Display>
-  <Edit>DocumentLibraryForm</Edit>
-  <New>DocumentLibraryForm</New>
-</FormTemplates>
+<p:properties xmlns:p="http://schemas.microsoft.com/office/2006/metadata/properties" xmlns:xsi="http://www.w3.org/2001/XMLSchema-instance" xmlns:pc="http://schemas.microsoft.com/office/infopath/2007/PartnerControls">
+  <documentManagement/>
+</p:properties>
 </file>
 
 <file path=customXml/item2.xml><?xml version="1.0" encoding="utf-8"?>
@@ -7436,15 +6918,26 @@
 </file>
 
 <file path=customXml/item3.xml><?xml version="1.0" encoding="utf-8"?>
-<p:properties xmlns:p="http://schemas.microsoft.com/office/2006/metadata/properties" xmlns:xsi="http://www.w3.org/2001/XMLSchema-instance" xmlns:pc="http://schemas.microsoft.com/office/infopath/2007/PartnerControls">
-  <documentManagement/>
-</p:properties>
+<?mso-contentType ?>
+<FormTemplates xmlns="http://schemas.microsoft.com/sharepoint/v3/contenttype/forms">
+  <Display>DocumentLibraryForm</Display>
+  <Edit>DocumentLibraryForm</Edit>
+  <New>DocumentLibraryForm</New>
+</FormTemplates>
 </file>
 
 <file path=customXml/itemProps1.xml><?xml version="1.0" encoding="utf-8"?>
-<ds:datastoreItem xmlns:ds="http://schemas.openxmlformats.org/officeDocument/2006/customXml" ds:itemID="{B0CA13EC-1D3C-4D6F-8D1C-E8A452CFC79A}">
+<ds:datastoreItem xmlns:ds="http://schemas.openxmlformats.org/officeDocument/2006/customXml" ds:itemID="{7025FDD9-4C58-4084-9F89-0E6ADD6FFF55}">
   <ds:schemaRefs>
-    <ds:schemaRef ds:uri="http://schemas.microsoft.com/sharepoint/v3/contenttype/forms"/>
+    <ds:schemaRef ds:uri="http://schemas.microsoft.com/office/infopath/2007/PartnerControls"/>
+    <ds:schemaRef ds:uri="http://purl.org/dc/elements/1.1/"/>
+    <ds:schemaRef ds:uri="http://schemas.microsoft.com/office/2006/metadata/properties"/>
+    <ds:schemaRef ds:uri="636b0322-90fb-440c-9cbc-22749e7231e9"/>
+    <ds:schemaRef ds:uri="http://purl.org/dc/terms/"/>
+    <ds:schemaRef ds:uri="http://schemas.microsoft.com/office/2006/documentManagement/types"/>
+    <ds:schemaRef ds:uri="http://purl.org/dc/dcmitype/"/>
+    <ds:schemaRef ds:uri="http://schemas.openxmlformats.org/package/2006/metadata/core-properties"/>
+    <ds:schemaRef ds:uri="http://www.w3.org/XML/1998/namespace"/>
   </ds:schemaRefs>
 </ds:datastoreItem>
 </file>
@@ -7468,17 +6961,9 @@
 </file>
 
 <file path=customXml/itemProps3.xml><?xml version="1.0" encoding="utf-8"?>
-<ds:datastoreItem xmlns:ds="http://schemas.openxmlformats.org/officeDocument/2006/customXml" ds:itemID="{7025FDD9-4C58-4084-9F89-0E6ADD6FFF55}">
+<ds:datastoreItem xmlns:ds="http://schemas.openxmlformats.org/officeDocument/2006/customXml" ds:itemID="{B0CA13EC-1D3C-4D6F-8D1C-E8A452CFC79A}">
   <ds:schemaRefs>
-    <ds:schemaRef ds:uri="http://schemas.microsoft.com/office/infopath/2007/PartnerControls"/>
-    <ds:schemaRef ds:uri="http://purl.org/dc/elements/1.1/"/>
-    <ds:schemaRef ds:uri="http://schemas.microsoft.com/office/2006/metadata/properties"/>
-    <ds:schemaRef ds:uri="636b0322-90fb-440c-9cbc-22749e7231e9"/>
-    <ds:schemaRef ds:uri="http://purl.org/dc/terms/"/>
-    <ds:schemaRef ds:uri="http://schemas.microsoft.com/office/2006/documentManagement/types"/>
-    <ds:schemaRef ds:uri="http://purl.org/dc/dcmitype/"/>
-    <ds:schemaRef ds:uri="http://schemas.openxmlformats.org/package/2006/metadata/core-properties"/>
-    <ds:schemaRef ds:uri="http://www.w3.org/XML/1998/namespace"/>
+    <ds:schemaRef ds:uri="http://schemas.microsoft.com/sharepoint/v3/contenttype/forms"/>
   </ds:schemaRefs>
 </ds:datastoreItem>
 </file>
--- a/Presentations for Visual Studio Code MVA/02.Express.pptx
+++ b/Presentations for Visual Studio Code MVA/02.Express.pptx
@@ -5,10 +5,10 @@
     <p:sldMasterId id="2147483660" r:id="rId4"/>
   </p:sldMasterIdLst>
   <p:notesMasterIdLst>
-    <p:notesMasterId r:id="rId21"/>
+    <p:notesMasterId r:id="rId22"/>
   </p:notesMasterIdLst>
   <p:handoutMasterIdLst>
-    <p:handoutMasterId r:id="rId22"/>
+    <p:handoutMasterId r:id="rId23"/>
   </p:handoutMasterIdLst>
   <p:sldIdLst>
     <p:sldId id="270" r:id="rId5"/>
@@ -24,9 +24,10 @@
     <p:sldId id="279" r:id="rId15"/>
     <p:sldId id="298" r:id="rId16"/>
     <p:sldId id="297" r:id="rId17"/>
-    <p:sldId id="299" r:id="rId18"/>
-    <p:sldId id="283" r:id="rId19"/>
-    <p:sldId id="269" r:id="rId20"/>
+    <p:sldId id="300" r:id="rId18"/>
+    <p:sldId id="299" r:id="rId19"/>
+    <p:sldId id="283" r:id="rId20"/>
+    <p:sldId id="269" r:id="rId21"/>
   </p:sldIdLst>
   <p:sldSz cx="12192000" cy="6858000"/>
   <p:notesSz cx="6858000" cy="9144000"/>
@@ -4460,15 +4461,7 @@
           <a:p>
             <a:r>
               <a:rPr lang="en-US" dirty="0" smtClean="0"/>
-              <a:t>Creating a simple </a:t>
-            </a:r>
-            <a:r>
-              <a:rPr lang="en-US" dirty="0" smtClean="0"/>
-              <a:t>REST API </a:t>
-            </a:r>
-            <a:r>
-              <a:rPr lang="en-US" dirty="0" smtClean="0"/>
-              <a:t>with Express Framework</a:t>
+              <a:t>Creating a simple REST API with Express Framework</a:t>
             </a:r>
             <a:endParaRPr lang="en-US" dirty="0"/>
           </a:p>
@@ -4629,7 +4622,7 @@
       </p:grpSpPr>
       <p:sp>
         <p:nvSpPr>
-          <p:cNvPr id="2" name="Title 1"/>
+          <p:cNvPr id="3" name="Title 2"/>
           <p:cNvSpPr>
             <a:spLocks noGrp="1"/>
           </p:cNvSpPr>
@@ -4644,20 +4637,373 @@
           <a:p>
             <a:r>
               <a:rPr lang="en-US" dirty="0" smtClean="0"/>
-              <a:t>Using Express </a:t>
-            </a:r>
-            <a:r>
-              <a:rPr lang="en-US" smtClean="0"/>
-              <a:t>to build a REST API</a:t>
-            </a:r>
-            <a:endParaRPr lang="en-US"/>
+              <a:t>Building a RESTful API for Dogs</a:t>
+            </a:r>
+            <a:endParaRPr lang="en-US" dirty="0"/>
           </a:p>
         </p:txBody>
       </p:sp>
+      <p:graphicFrame>
+        <p:nvGraphicFramePr>
+          <p:cNvPr id="5" name="Content Placeholder 4"/>
+          <p:cNvGraphicFramePr>
+            <a:graphicFrameLocks noGrp="1"/>
+          </p:cNvGraphicFramePr>
+          <p:nvPr>
+            <p:ph sz="quarter" idx="10"/>
+            <p:extLst>
+              <p:ext uri="{D42A27DB-BD31-4B8C-83A1-F6EECF244321}">
+                <p14:modId xmlns:p14="http://schemas.microsoft.com/office/powerpoint/2010/main" val="4225974341"/>
+              </p:ext>
+            </p:extLst>
+          </p:nvPr>
+        </p:nvGraphicFramePr>
+        <p:xfrm>
+          <a:off x="539463" y="1001843"/>
+          <a:ext cx="11212825" cy="5638800"/>
+        </p:xfrm>
+        <a:graphic>
+          <a:graphicData uri="http://schemas.openxmlformats.org/drawingml/2006/table">
+            <a:tbl>
+              <a:tblPr>
+                <a:tableStyleId>{793D81CF-94F2-401A-BA57-92F5A7B2D0C5}</a:tableStyleId>
+              </a:tblPr>
+              <a:tblGrid>
+                <a:gridCol w="2242565"/>
+                <a:gridCol w="1685041"/>
+                <a:gridCol w="2800089"/>
+                <a:gridCol w="2242565"/>
+                <a:gridCol w="2242565"/>
+              </a:tblGrid>
+              <a:tr h="505443">
+                <a:tc>
+                  <a:txBody>
+                    <a:bodyPr/>
+                    <a:lstStyle/>
+                    <a:p>
+                      <a:r>
+                        <a:rPr lang="en-US" sz="3200" dirty="0"/>
+                        <a:t>Resource</a:t>
+                      </a:r>
+                      <a:endParaRPr lang="en-US" sz="3200" b="1" dirty="0">
+                        <a:latin typeface="Segoe UI Light" panose="020B0502040204020203" pitchFamily="34" charset="0"/>
+                        <a:cs typeface="Segoe UI Light" panose="020B0502040204020203" pitchFamily="34" charset="0"/>
+                      </a:endParaRPr>
+                    </a:p>
+                  </a:txBody>
+                  <a:tcPr anchor="ctr"/>
+                </a:tc>
+                <a:tc>
+                  <a:txBody>
+                    <a:bodyPr/>
+                    <a:lstStyle/>
+                    <a:p>
+                      <a:r>
+                        <a:rPr lang="en-US" sz="3200" dirty="0"/>
+                        <a:t>GET</a:t>
+                      </a:r>
+                      <a:endParaRPr lang="en-US" sz="3200" b="1" dirty="0">
+                        <a:latin typeface="Segoe UI Light" panose="020B0502040204020203" pitchFamily="34" charset="0"/>
+                        <a:cs typeface="Segoe UI Light" panose="020B0502040204020203" pitchFamily="34" charset="0"/>
+                      </a:endParaRPr>
+                    </a:p>
+                  </a:txBody>
+                  <a:tcPr anchor="ctr"/>
+                </a:tc>
+                <a:tc>
+                  <a:txBody>
+                    <a:bodyPr/>
+                    <a:lstStyle/>
+                    <a:p>
+                      <a:r>
+                        <a:rPr lang="en-US" sz="3200" dirty="0"/>
+                        <a:t>PUT</a:t>
+                      </a:r>
+                      <a:endParaRPr lang="en-US" sz="3200" b="1" dirty="0">
+                        <a:latin typeface="Segoe UI Light" panose="020B0502040204020203" pitchFamily="34" charset="0"/>
+                        <a:cs typeface="Segoe UI Light" panose="020B0502040204020203" pitchFamily="34" charset="0"/>
+                      </a:endParaRPr>
+                    </a:p>
+                  </a:txBody>
+                  <a:tcPr anchor="ctr"/>
+                </a:tc>
+                <a:tc>
+                  <a:txBody>
+                    <a:bodyPr/>
+                    <a:lstStyle/>
+                    <a:p>
+                      <a:r>
+                        <a:rPr lang="en-US" sz="3200" dirty="0"/>
+                        <a:t>POST</a:t>
+                      </a:r>
+                      <a:endParaRPr lang="en-US" sz="3200" b="1" dirty="0">
+                        <a:latin typeface="Segoe UI Light" panose="020B0502040204020203" pitchFamily="34" charset="0"/>
+                        <a:cs typeface="Segoe UI Light" panose="020B0502040204020203" pitchFamily="34" charset="0"/>
+                      </a:endParaRPr>
+                    </a:p>
+                  </a:txBody>
+                  <a:tcPr anchor="ctr"/>
+                </a:tc>
+                <a:tc>
+                  <a:txBody>
+                    <a:bodyPr/>
+                    <a:lstStyle/>
+                    <a:p>
+                      <a:r>
+                        <a:rPr lang="en-US" sz="3200" dirty="0"/>
+                        <a:t>DELETE</a:t>
+                      </a:r>
+                      <a:endParaRPr lang="en-US" sz="3200" b="1" dirty="0">
+                        <a:latin typeface="Segoe UI Light" panose="020B0502040204020203" pitchFamily="34" charset="0"/>
+                        <a:cs typeface="Segoe UI Light" panose="020B0502040204020203" pitchFamily="34" charset="0"/>
+                      </a:endParaRPr>
+                    </a:p>
+                  </a:txBody>
+                  <a:tcPr anchor="ctr"/>
+                </a:tc>
+              </a:tr>
+              <a:tr h="2207987">
+                <a:tc>
+                  <a:txBody>
+                    <a:bodyPr/>
+                    <a:lstStyle/>
+                    <a:p>
+                      <a:r>
+                        <a:rPr lang="en-US" sz="3200" dirty="0"/>
+                        <a:t>Collection URI, such as http://</a:t>
+                      </a:r>
+                      <a:r>
+                        <a:rPr lang="en-US" sz="3200" dirty="0" smtClean="0"/>
+                        <a:t>api.example.com/v1/dogs/</a:t>
+                      </a:r>
+                      <a:endParaRPr lang="en-US" sz="3200" dirty="0">
+                        <a:latin typeface="Segoe UI Light" panose="020B0502040204020203" pitchFamily="34" charset="0"/>
+                        <a:cs typeface="Segoe UI Light" panose="020B0502040204020203" pitchFamily="34" charset="0"/>
+                      </a:endParaRPr>
+                    </a:p>
+                  </a:txBody>
+                  <a:tcPr anchor="ctr"/>
+                </a:tc>
+                <a:tc>
+                  <a:txBody>
+                    <a:bodyPr/>
+                    <a:lstStyle/>
+                    <a:p>
+                      <a:r>
+                        <a:rPr lang="en-US" sz="3200" dirty="0" smtClean="0"/>
+                        <a:t>List</a:t>
+                      </a:r>
+                      <a:r>
+                        <a:rPr lang="en-US" sz="3200" baseline="0" dirty="0" smtClean="0"/>
+                        <a:t> all the dogs</a:t>
+                      </a:r>
+                      <a:endParaRPr lang="en-US" sz="3200" dirty="0">
+                        <a:latin typeface="Segoe UI Light" panose="020B0502040204020203" pitchFamily="34" charset="0"/>
+                        <a:cs typeface="Segoe UI Light" panose="020B0502040204020203" pitchFamily="34" charset="0"/>
+                      </a:endParaRPr>
+                    </a:p>
+                  </a:txBody>
+                  <a:tcPr anchor="ctr"/>
+                </a:tc>
+                <a:tc>
+                  <a:txBody>
+                    <a:bodyPr/>
+                    <a:lstStyle/>
+                    <a:p>
+                      <a:r>
+                        <a:rPr lang="en-US" sz="3200" dirty="0"/>
+                        <a:t>Replace </a:t>
+                      </a:r>
+                      <a:r>
+                        <a:rPr lang="en-US" sz="3200" dirty="0" smtClean="0"/>
+                        <a:t>all the</a:t>
+                      </a:r>
+                      <a:r>
+                        <a:rPr lang="en-US" sz="3200" baseline="0" dirty="0" smtClean="0"/>
+                        <a:t> dogs with a new collection of dogs</a:t>
+                      </a:r>
+                      <a:r>
+                        <a:rPr lang="en-US" sz="3200" dirty="0" smtClean="0"/>
+                        <a:t>.</a:t>
+                      </a:r>
+                      <a:endParaRPr lang="en-US" sz="3200" dirty="0">
+                        <a:latin typeface="Segoe UI Light" panose="020B0502040204020203" pitchFamily="34" charset="0"/>
+                        <a:cs typeface="Segoe UI Light" panose="020B0502040204020203" pitchFamily="34" charset="0"/>
+                      </a:endParaRPr>
+                    </a:p>
+                  </a:txBody>
+                  <a:tcPr anchor="ctr"/>
+                </a:tc>
+                <a:tc>
+                  <a:txBody>
+                    <a:bodyPr/>
+                    <a:lstStyle/>
+                    <a:p>
+                      <a:r>
+                        <a:rPr lang="en-US" sz="3200" dirty="0"/>
+                        <a:t>Create a new </a:t>
+                      </a:r>
+                      <a:r>
+                        <a:rPr lang="en-US" sz="3200" dirty="0" smtClean="0"/>
+                        <a:t>dog in </a:t>
+                      </a:r>
+                      <a:r>
+                        <a:rPr lang="en-US" sz="3200" dirty="0"/>
+                        <a:t>the collection. </a:t>
+                      </a:r>
+                      <a:endParaRPr lang="en-US" sz="3200" dirty="0">
+                        <a:latin typeface="Segoe UI Light" panose="020B0502040204020203" pitchFamily="34" charset="0"/>
+                        <a:cs typeface="Segoe UI Light" panose="020B0502040204020203" pitchFamily="34" charset="0"/>
+                      </a:endParaRPr>
+                    </a:p>
+                  </a:txBody>
+                  <a:tcPr anchor="ctr"/>
+                </a:tc>
+                <a:tc>
+                  <a:txBody>
+                    <a:bodyPr/>
+                    <a:lstStyle/>
+                    <a:p>
+                      <a:r>
+                        <a:rPr lang="en-US" sz="3200" dirty="0"/>
+                        <a:t>Delete the entire </a:t>
+                      </a:r>
+                      <a:r>
+                        <a:rPr lang="en-US" sz="3200" dirty="0" smtClean="0"/>
+                        <a:t>dog collection</a:t>
+                      </a:r>
+                      <a:r>
+                        <a:rPr lang="en-US" sz="3200" dirty="0"/>
+                        <a:t>.</a:t>
+                      </a:r>
+                      <a:endParaRPr lang="en-US" sz="3200" dirty="0">
+                        <a:latin typeface="Segoe UI Light" panose="020B0502040204020203" pitchFamily="34" charset="0"/>
+                        <a:cs typeface="Segoe UI Light" panose="020B0502040204020203" pitchFamily="34" charset="0"/>
+                      </a:endParaRPr>
+                    </a:p>
+                  </a:txBody>
+                  <a:tcPr anchor="ctr"/>
+                </a:tc>
+              </a:tr>
+              <a:tr h="2417975">
+                <a:tc>
+                  <a:txBody>
+                    <a:bodyPr/>
+                    <a:lstStyle/>
+                    <a:p>
+                      <a:r>
+                        <a:rPr lang="en-US" sz="3200" dirty="0"/>
+                        <a:t>Element URI, such as http://</a:t>
+                      </a:r>
+                      <a:r>
+                        <a:rPr lang="en-US" sz="3200" dirty="0" smtClean="0"/>
+                        <a:t>api.example.com/v1/dog/1</a:t>
+                      </a:r>
+                      <a:endParaRPr lang="en-US" sz="3200" dirty="0">
+                        <a:latin typeface="Segoe UI Light" panose="020B0502040204020203" pitchFamily="34" charset="0"/>
+                        <a:cs typeface="Segoe UI Light" panose="020B0502040204020203" pitchFamily="34" charset="0"/>
+                      </a:endParaRPr>
+                    </a:p>
+                  </a:txBody>
+                  <a:tcPr anchor="ctr"/>
+                </a:tc>
+                <a:tc>
+                  <a:txBody>
+                    <a:bodyPr/>
+                    <a:lstStyle/>
+                    <a:p>
+                      <a:r>
+                        <a:rPr lang="en-US" sz="3200" dirty="0" smtClean="0"/>
+                        <a:t>Get</a:t>
+                      </a:r>
+                      <a:r>
+                        <a:rPr lang="en-US" sz="3200" baseline="0" dirty="0" smtClean="0"/>
+                        <a:t> a specific dog.</a:t>
+                      </a:r>
+                      <a:endParaRPr lang="en-US" sz="3200" dirty="0">
+                        <a:latin typeface="Segoe UI Light" panose="020B0502040204020203" pitchFamily="34" charset="0"/>
+                        <a:cs typeface="Segoe UI Light" panose="020B0502040204020203" pitchFamily="34" charset="0"/>
+                      </a:endParaRPr>
+                    </a:p>
+                  </a:txBody>
+                  <a:tcPr anchor="ctr"/>
+                </a:tc>
+                <a:tc>
+                  <a:txBody>
+                    <a:bodyPr/>
+                    <a:lstStyle/>
+                    <a:p>
+                      <a:r>
+                        <a:rPr lang="en-US" sz="3200" dirty="0"/>
+                        <a:t>Replace </a:t>
+                      </a:r>
+                      <a:r>
+                        <a:rPr lang="en-US" sz="3200" dirty="0" smtClean="0"/>
+                        <a:t>a dog in the</a:t>
+                      </a:r>
+                      <a:r>
+                        <a:rPr lang="en-US" sz="3200" baseline="0" dirty="0" smtClean="0"/>
+                        <a:t> collection with another dog.</a:t>
+                      </a:r>
+                      <a:endParaRPr lang="en-US" sz="3200" dirty="0">
+                        <a:latin typeface="Segoe UI Light" panose="020B0502040204020203" pitchFamily="34" charset="0"/>
+                        <a:cs typeface="Segoe UI Light" panose="020B0502040204020203" pitchFamily="34" charset="0"/>
+                      </a:endParaRPr>
+                    </a:p>
+                  </a:txBody>
+                  <a:tcPr anchor="ctr"/>
+                </a:tc>
+                <a:tc>
+                  <a:txBody>
+                    <a:bodyPr/>
+                    <a:lstStyle/>
+                    <a:p>
+                      <a:r>
+                        <a:rPr lang="en-US" sz="3200" dirty="0" smtClean="0"/>
+                        <a:t>Not</a:t>
+                      </a:r>
+                      <a:r>
+                        <a:rPr lang="en-US" sz="3200" baseline="0" dirty="0" smtClean="0"/>
+                        <a:t> used.</a:t>
+                      </a:r>
+                      <a:endParaRPr lang="en-US" sz="3200" dirty="0">
+                        <a:latin typeface="Segoe UI Light" panose="020B0502040204020203" pitchFamily="34" charset="0"/>
+                        <a:cs typeface="Segoe UI Light" panose="020B0502040204020203" pitchFamily="34" charset="0"/>
+                      </a:endParaRPr>
+                    </a:p>
+                  </a:txBody>
+                  <a:tcPr anchor="ctr"/>
+                </a:tc>
+                <a:tc>
+                  <a:txBody>
+                    <a:bodyPr/>
+                    <a:lstStyle/>
+                    <a:p>
+                      <a:r>
+                        <a:rPr lang="en-US" sz="3200" dirty="0"/>
+                        <a:t>Delete </a:t>
+                      </a:r>
+                      <a:r>
+                        <a:rPr lang="en-US" sz="3200" dirty="0" smtClean="0"/>
+                        <a:t>the dog from the collection.</a:t>
+                      </a:r>
+                      <a:endParaRPr lang="en-US" sz="3200" dirty="0">
+                        <a:latin typeface="Segoe UI Light" panose="020B0502040204020203" pitchFamily="34" charset="0"/>
+                        <a:cs typeface="Segoe UI Light" panose="020B0502040204020203" pitchFamily="34" charset="0"/>
+                      </a:endParaRPr>
+                    </a:p>
+                  </a:txBody>
+                  <a:tcPr anchor="ctr"/>
+                </a:tc>
+              </a:tr>
+            </a:tbl>
+          </a:graphicData>
+        </a:graphic>
+      </p:graphicFrame>
     </p:spTree>
     <p:extLst>
       <p:ext uri="{BB962C8B-B14F-4D97-AF65-F5344CB8AC3E}">
-        <p14:creationId xmlns:p14="http://schemas.microsoft.com/office/powerpoint/2010/main" val="3963504459"/>
+        <p14:creationId xmlns:p14="http://schemas.microsoft.com/office/powerpoint/2010/main" val="1985210273"/>
       </p:ext>
     </p:extLst>
   </p:cSld>
@@ -4701,6 +5047,67 @@
           <a:p>
             <a:r>
               <a:rPr lang="en-US" dirty="0" smtClean="0"/>
+              <a:t>Using Express to build a </a:t>
+            </a:r>
+            <a:r>
+              <a:rPr lang="en-US" dirty="0" smtClean="0"/>
+              <a:t>RESTful </a:t>
+            </a:r>
+            <a:r>
+              <a:rPr lang="en-US" dirty="0" smtClean="0"/>
+              <a:t>API</a:t>
+            </a:r>
+            <a:endParaRPr lang="en-US" dirty="0"/>
+          </a:p>
+        </p:txBody>
+      </p:sp>
+    </p:spTree>
+    <p:extLst>
+      <p:ext uri="{BB962C8B-B14F-4D97-AF65-F5344CB8AC3E}">
+        <p14:creationId xmlns:p14="http://schemas.microsoft.com/office/powerpoint/2010/main" val="3963504459"/>
+      </p:ext>
+    </p:extLst>
+  </p:cSld>
+  <p:clrMapOvr>
+    <a:masterClrMapping/>
+  </p:clrMapOvr>
+</p:sld>
+</file>
+
+<file path=ppt/slides/slide16.xml><?xml version="1.0" encoding="utf-8"?>
+<p:sld xmlns:a="http://schemas.openxmlformats.org/drawingml/2006/main" xmlns:r="http://schemas.openxmlformats.org/officeDocument/2006/relationships" xmlns:p="http://schemas.openxmlformats.org/presentationml/2006/main">
+  <p:cSld>
+    <p:spTree>
+      <p:nvGrpSpPr>
+        <p:cNvPr id="1" name=""/>
+        <p:cNvGrpSpPr/>
+        <p:nvPr/>
+      </p:nvGrpSpPr>
+      <p:grpSpPr>
+        <a:xfrm>
+          <a:off x="0" y="0"/>
+          <a:ext cx="0" cy="0"/>
+          <a:chOff x="0" y="0"/>
+          <a:chExt cx="0" cy="0"/>
+        </a:xfrm>
+      </p:grpSpPr>
+      <p:sp>
+        <p:nvSpPr>
+          <p:cNvPr id="2" name="Title 1"/>
+          <p:cNvSpPr>
+            <a:spLocks noGrp="1"/>
+          </p:cNvSpPr>
+          <p:nvPr>
+            <p:ph type="title"/>
+          </p:nvPr>
+        </p:nvSpPr>
+        <p:spPr/>
+        <p:txBody>
+          <a:bodyPr/>
+          <a:lstStyle/>
+          <a:p>
+            <a:r>
+              <a:rPr lang="en-US" dirty="0" smtClean="0"/>
               <a:t>Resources</a:t>
             </a:r>
             <a:endParaRPr lang="en-US" dirty="0"/>
@@ -4826,7 +5233,7 @@
 </p:sld>
 </file>
 
-<file path=ppt/slides/slide16.xml><?xml version="1.0" encoding="utf-8"?>
+<file path=ppt/slides/slide17.xml><?xml version="1.0" encoding="utf-8"?>
 <p:sld xmlns:a="http://schemas.openxmlformats.org/drawingml/2006/main" xmlns:r="http://schemas.openxmlformats.org/officeDocument/2006/relationships" xmlns:p="http://schemas.openxmlformats.org/presentationml/2006/main">
   <p:cSld>
     <p:spTree>
@@ -4911,13 +5318,8 @@
           <a:p>
             <a:r>
               <a:rPr lang="en-GB" dirty="0" smtClean="0"/>
-              <a:t>Demo: Creating a simple </a:t>
-            </a:r>
-            <a:r>
-              <a:rPr lang="en-GB" dirty="0" smtClean="0"/>
-              <a:t>REST API </a:t>
-            </a:r>
-            <a:endParaRPr lang="en-GB" dirty="0" smtClean="0"/>
+              <a:t>Demo: Creating a simple REST API </a:t>
+            </a:r>
           </a:p>
           <a:p>
             <a:r>
@@ -5633,11 +6035,7 @@
             <a:pPr marL="914400" indent="-914400"/>
             <a:r>
               <a:rPr lang="en-US" dirty="0" smtClean="0"/>
-              <a:t>02 | Creating a Simple </a:t>
-            </a:r>
-            <a:r>
-              <a:rPr lang="en-US" dirty="0" smtClean="0"/>
-              <a:t>REST API</a:t>
+              <a:t>02 | Creating a Simple REST API</a:t>
             </a:r>
             <a:endParaRPr lang="en-US" dirty="0"/>
           </a:p>
@@ -6772,9 +7170,12 @@
 </file>
 
 <file path=customXml/item1.xml><?xml version="1.0" encoding="utf-8"?>
-<p:properties xmlns:p="http://schemas.microsoft.com/office/2006/metadata/properties" xmlns:xsi="http://www.w3.org/2001/XMLSchema-instance" xmlns:pc="http://schemas.microsoft.com/office/infopath/2007/PartnerControls">
-  <documentManagement/>
-</p:properties>
+<?mso-contentType ?>
+<FormTemplates xmlns="http://schemas.microsoft.com/sharepoint/v3/contenttype/forms">
+  <Display>DocumentLibraryForm</Display>
+  <Edit>DocumentLibraryForm</Edit>
+  <New>DocumentLibraryForm</New>
+</FormTemplates>
 </file>
 
 <file path=customXml/item2.xml><?xml version="1.0" encoding="utf-8"?>
@@ -6918,26 +7319,15 @@
 </file>
 
 <file path=customXml/item3.xml><?xml version="1.0" encoding="utf-8"?>
-<?mso-contentType ?>
-<FormTemplates xmlns="http://schemas.microsoft.com/sharepoint/v3/contenttype/forms">
-  <Display>DocumentLibraryForm</Display>
-  <Edit>DocumentLibraryForm</Edit>
-  <New>DocumentLibraryForm</New>
-</FormTemplates>
+<p:properties xmlns:p="http://schemas.microsoft.com/office/2006/metadata/properties" xmlns:xsi="http://www.w3.org/2001/XMLSchema-instance" xmlns:pc="http://schemas.microsoft.com/office/infopath/2007/PartnerControls">
+  <documentManagement/>
+</p:properties>
 </file>
 
 <file path=customXml/itemProps1.xml><?xml version="1.0" encoding="utf-8"?>
-<ds:datastoreItem xmlns:ds="http://schemas.openxmlformats.org/officeDocument/2006/customXml" ds:itemID="{7025FDD9-4C58-4084-9F89-0E6ADD6FFF55}">
+<ds:datastoreItem xmlns:ds="http://schemas.openxmlformats.org/officeDocument/2006/customXml" ds:itemID="{B0CA13EC-1D3C-4D6F-8D1C-E8A452CFC79A}">
   <ds:schemaRefs>
-    <ds:schemaRef ds:uri="http://schemas.microsoft.com/office/infopath/2007/PartnerControls"/>
-    <ds:schemaRef ds:uri="http://purl.org/dc/elements/1.1/"/>
-    <ds:schemaRef ds:uri="http://schemas.microsoft.com/office/2006/metadata/properties"/>
-    <ds:schemaRef ds:uri="636b0322-90fb-440c-9cbc-22749e7231e9"/>
-    <ds:schemaRef ds:uri="http://purl.org/dc/terms/"/>
-    <ds:schemaRef ds:uri="http://schemas.microsoft.com/office/2006/documentManagement/types"/>
-    <ds:schemaRef ds:uri="http://purl.org/dc/dcmitype/"/>
-    <ds:schemaRef ds:uri="http://schemas.openxmlformats.org/package/2006/metadata/core-properties"/>
-    <ds:schemaRef ds:uri="http://www.w3.org/XML/1998/namespace"/>
+    <ds:schemaRef ds:uri="http://schemas.microsoft.com/sharepoint/v3/contenttype/forms"/>
   </ds:schemaRefs>
 </ds:datastoreItem>
 </file>
@@ -6961,9 +7351,17 @@
 </file>
 
 <file path=customXml/itemProps3.xml><?xml version="1.0" encoding="utf-8"?>
-<ds:datastoreItem xmlns:ds="http://schemas.openxmlformats.org/officeDocument/2006/customXml" ds:itemID="{B0CA13EC-1D3C-4D6F-8D1C-E8A452CFC79A}">
+<ds:datastoreItem xmlns:ds="http://schemas.openxmlformats.org/officeDocument/2006/customXml" ds:itemID="{7025FDD9-4C58-4084-9F89-0E6ADD6FFF55}">
   <ds:schemaRefs>
-    <ds:schemaRef ds:uri="http://schemas.microsoft.com/sharepoint/v3/contenttype/forms"/>
+    <ds:schemaRef ds:uri="http://schemas.microsoft.com/office/infopath/2007/PartnerControls"/>
+    <ds:schemaRef ds:uri="http://purl.org/dc/elements/1.1/"/>
+    <ds:schemaRef ds:uri="http://schemas.microsoft.com/office/2006/metadata/properties"/>
+    <ds:schemaRef ds:uri="636b0322-90fb-440c-9cbc-22749e7231e9"/>
+    <ds:schemaRef ds:uri="http://purl.org/dc/terms/"/>
+    <ds:schemaRef ds:uri="http://schemas.microsoft.com/office/2006/documentManagement/types"/>
+    <ds:schemaRef ds:uri="http://purl.org/dc/dcmitype/"/>
+    <ds:schemaRef ds:uri="http://schemas.openxmlformats.org/package/2006/metadata/core-properties"/>
+    <ds:schemaRef ds:uri="http://www.w3.org/XML/1998/namespace"/>
   </ds:schemaRefs>
 </ds:datastoreItem>
 </file>